--- a/docs/Snakker.pptx
+++ b/docs/Snakker.pptx
@@ -284,155 +284,9 @@
 <p1510:revInfo xmlns:a="http://schemas.openxmlformats.org/drawingml/2006/main" xmlns:r="http://schemas.openxmlformats.org/officeDocument/2006/relationships" xmlns:p1510="http://schemas.microsoft.com/office/powerpoint/2015/10/main">
   <p1510:revLst>
     <p1510:client id="{3907C92B-4C67-2A73-69F4-28C346ED7AE7}" v="93" dt="2025-05-17T12:36:09.655"/>
+    <p1510:client id="{597F78D2-3A2E-802D-82A0-EEBD53818CF4}" v="444" dt="2025-05-18T07:57:58.167"/>
   </p1510:revLst>
 </p1510:revInfo>
-</file>
-
-<file path=ppt/changesInfos/changesInfo1.xml><?xml version="1.0" encoding="utf-8"?>
-<pc:chgInfo xmlns:a="http://schemas.openxmlformats.org/drawingml/2006/main" xmlns:r="http://schemas.openxmlformats.org/officeDocument/2006/relationships" xmlns:ac="http://schemas.microsoft.com/office/drawing/2013/main/command" xmlns:pc="http://schemas.microsoft.com/office/powerpoint/2013/main/command">
-  <pc:docChgLst>
-    <pc:chgData name="Bánszky Balázs Ferenc" userId="S::banszkybalazsferenc@gszi.edu.hu::6ec244ae-6e05-4321-b371-72d13263ee0c" providerId="AD" clId="Web-{3907C92B-4C67-2A73-69F4-28C346ED7AE7}"/>
-    <pc:docChg chg="addSld modSld sldOrd">
-      <pc:chgData name="Bánszky Balázs Ferenc" userId="S::banszkybalazsferenc@gszi.edu.hu::6ec244ae-6e05-4321-b371-72d13263ee0c" providerId="AD" clId="Web-{3907C92B-4C67-2A73-69F4-28C346ED7AE7}" dt="2025-05-17T12:35:47.545" v="4486"/>
-      <pc:docMkLst>
-        <pc:docMk/>
-      </pc:docMkLst>
-      <pc:sldChg chg="modNotes">
-        <pc:chgData name="Bánszky Balázs Ferenc" userId="S::banszkybalazsferenc@gszi.edu.hu::6ec244ae-6e05-4321-b371-72d13263ee0c" providerId="AD" clId="Web-{3907C92B-4C67-2A73-69F4-28C346ED7AE7}" dt="2025-05-17T12:34:14.605" v="4378"/>
-        <pc:sldMkLst>
-          <pc:docMk/>
-          <pc:sldMk cId="0" sldId="257"/>
-        </pc:sldMkLst>
-      </pc:sldChg>
-      <pc:sldChg chg="modNotes">
-        <pc:chgData name="Bánszky Balázs Ferenc" userId="S::banszkybalazsferenc@gszi.edu.hu::6ec244ae-6e05-4321-b371-72d13263ee0c" providerId="AD" clId="Web-{3907C92B-4C67-2A73-69F4-28C346ED7AE7}" dt="2025-05-17T12:22:52.067" v="3626"/>
-        <pc:sldMkLst>
-          <pc:docMk/>
-          <pc:sldMk cId="0" sldId="258"/>
-        </pc:sldMkLst>
-      </pc:sldChg>
-      <pc:sldChg chg="modNotes">
-        <pc:chgData name="Bánszky Balázs Ferenc" userId="S::banszkybalazsferenc@gszi.edu.hu::6ec244ae-6e05-4321-b371-72d13263ee0c" providerId="AD" clId="Web-{3907C92B-4C67-2A73-69F4-28C346ED7AE7}" dt="2025-05-17T12:27:57.905" v="4258"/>
-        <pc:sldMkLst>
-          <pc:docMk/>
-          <pc:sldMk cId="0" sldId="259"/>
-        </pc:sldMkLst>
-      </pc:sldChg>
-      <pc:sldChg chg="modNotes">
-        <pc:chgData name="Bánszky Balázs Ferenc" userId="S::banszkybalazsferenc@gszi.edu.hu::6ec244ae-6e05-4321-b371-72d13263ee0c" providerId="AD" clId="Web-{3907C92B-4C67-2A73-69F4-28C346ED7AE7}" dt="2025-05-17T12:14:31.019" v="2814"/>
-        <pc:sldMkLst>
-          <pc:docMk/>
-          <pc:sldMk cId="0" sldId="260"/>
-        </pc:sldMkLst>
-      </pc:sldChg>
-      <pc:sldChg chg="modNotes">
-        <pc:chgData name="Bánszky Balázs Ferenc" userId="S::banszkybalazsferenc@gszi.edu.hu::6ec244ae-6e05-4321-b371-72d13263ee0c" providerId="AD" clId="Web-{3907C92B-4C67-2A73-69F4-28C346ED7AE7}" dt="2025-05-17T12:30:03.690" v="4293"/>
-        <pc:sldMkLst>
-          <pc:docMk/>
-          <pc:sldMk cId="0" sldId="261"/>
-        </pc:sldMkLst>
-      </pc:sldChg>
-      <pc:sldChg chg="modSp ord modNotes">
-        <pc:chgData name="Bánszky Balázs Ferenc" userId="S::banszkybalazsferenc@gszi.edu.hu::6ec244ae-6e05-4321-b371-72d13263ee0c" providerId="AD" clId="Web-{3907C92B-4C67-2A73-69F4-28C346ED7AE7}" dt="2025-05-17T12:28:43.766" v="4279"/>
-        <pc:sldMkLst>
-          <pc:docMk/>
-          <pc:sldMk cId="0" sldId="262"/>
-        </pc:sldMkLst>
-        <pc:spChg chg="mod">
-          <ac:chgData name="Bánszky Balázs Ferenc" userId="S::banszkybalazsferenc@gszi.edu.hu::6ec244ae-6e05-4321-b371-72d13263ee0c" providerId="AD" clId="Web-{3907C92B-4C67-2A73-69F4-28C346ED7AE7}" dt="2025-05-17T11:59:26.833" v="1304" actId="20577"/>
-          <ac:spMkLst>
-            <pc:docMk/>
-            <pc:sldMk cId="0" sldId="262"/>
-            <ac:spMk id="101" creationId="{00000000-0000-0000-0000-000000000000}"/>
-          </ac:spMkLst>
-        </pc:spChg>
-      </pc:sldChg>
-      <pc:sldChg chg="ord modNotes">
-        <pc:chgData name="Bánszky Balázs Ferenc" userId="S::banszkybalazsferenc@gszi.edu.hu::6ec244ae-6e05-4321-b371-72d13263ee0c" providerId="AD" clId="Web-{3907C92B-4C67-2A73-69F4-28C346ED7AE7}" dt="2025-05-17T12:35:47.545" v="4486"/>
-        <pc:sldMkLst>
-          <pc:docMk/>
-          <pc:sldMk cId="0" sldId="263"/>
-        </pc:sldMkLst>
-      </pc:sldChg>
-      <pc:sldChg chg="ord modNotes">
-        <pc:chgData name="Bánszky Balázs Ferenc" userId="S::banszkybalazsferenc@gszi.edu.hu::6ec244ae-6e05-4321-b371-72d13263ee0c" providerId="AD" clId="Web-{3907C92B-4C67-2A73-69F4-28C346ED7AE7}" dt="2025-05-17T12:25:40.197" v="4051"/>
-        <pc:sldMkLst>
-          <pc:docMk/>
-          <pc:sldMk cId="0" sldId="264"/>
-        </pc:sldMkLst>
-      </pc:sldChg>
-      <pc:sldChg chg="modNotes">
-        <pc:chgData name="Bánszky Balázs Ferenc" userId="S::banszkybalazsferenc@gszi.edu.hu::6ec244ae-6e05-4321-b371-72d13263ee0c" providerId="AD" clId="Web-{3907C92B-4C67-2A73-69F4-28C346ED7AE7}" dt="2025-05-17T12:31:07.020" v="4307"/>
-        <pc:sldMkLst>
-          <pc:docMk/>
-          <pc:sldMk cId="0" sldId="265"/>
-        </pc:sldMkLst>
-      </pc:sldChg>
-      <pc:sldChg chg="modSp">
-        <pc:chgData name="Bánszky Balázs Ferenc" userId="S::banszkybalazsferenc@gszi.edu.hu::6ec244ae-6e05-4321-b371-72d13263ee0c" providerId="AD" clId="Web-{3907C92B-4C67-2A73-69F4-28C346ED7AE7}" dt="2025-05-17T12:07:47.271" v="2017" actId="20577"/>
-        <pc:sldMkLst>
-          <pc:docMk/>
-          <pc:sldMk cId="0" sldId="266"/>
-        </pc:sldMkLst>
-        <pc:spChg chg="mod">
-          <ac:chgData name="Bánszky Balázs Ferenc" userId="S::banszkybalazsferenc@gszi.edu.hu::6ec244ae-6e05-4321-b371-72d13263ee0c" providerId="AD" clId="Web-{3907C92B-4C67-2A73-69F4-28C346ED7AE7}" dt="2025-05-17T12:07:47.271" v="2017" actId="20577"/>
-          <ac:spMkLst>
-            <pc:docMk/>
-            <pc:sldMk cId="0" sldId="266"/>
-            <ac:spMk id="143" creationId="{00000000-0000-0000-0000-000000000000}"/>
-          </ac:spMkLst>
-        </pc:spChg>
-      </pc:sldChg>
-      <pc:sldChg chg="addSp delSp modSp new ord modNotes">
-        <pc:chgData name="Bánszky Balázs Ferenc" userId="S::banszkybalazsferenc@gszi.edu.hu::6ec244ae-6e05-4321-b371-72d13263ee0c" providerId="AD" clId="Web-{3907C92B-4C67-2A73-69F4-28C346ED7AE7}" dt="2025-05-17T12:30:40.816" v="4301"/>
-        <pc:sldMkLst>
-          <pc:docMk/>
-          <pc:sldMk cId="1874802190" sldId="267"/>
-        </pc:sldMkLst>
-        <pc:spChg chg="mod">
-          <ac:chgData name="Bánszky Balázs Ferenc" userId="S::banszkybalazsferenc@gszi.edu.hu::6ec244ae-6e05-4321-b371-72d13263ee0c" providerId="AD" clId="Web-{3907C92B-4C67-2A73-69F4-28C346ED7AE7}" dt="2025-05-17T12:05:59.408" v="1954" actId="20577"/>
-          <ac:spMkLst>
-            <pc:docMk/>
-            <pc:sldMk cId="1874802190" sldId="267"/>
-            <ac:spMk id="2" creationId="{D16A190F-3A0D-2625-FA3A-4A292B5DEC50}"/>
-          </ac:spMkLst>
-        </pc:spChg>
-        <pc:spChg chg="mod">
-          <ac:chgData name="Bánszky Balázs Ferenc" userId="S::banszkybalazsferenc@gszi.edu.hu::6ec244ae-6e05-4321-b371-72d13263ee0c" providerId="AD" clId="Web-{3907C92B-4C67-2A73-69F4-28C346ED7AE7}" dt="2025-05-17T12:06:52.160" v="2001" actId="20577"/>
-          <ac:spMkLst>
-            <pc:docMk/>
-            <pc:sldMk cId="1874802190" sldId="267"/>
-            <ac:spMk id="3" creationId="{C6071BDB-FFDB-FFFE-D272-FC486332E718}"/>
-          </ac:spMkLst>
-        </pc:spChg>
-        <pc:picChg chg="add del mod">
-          <ac:chgData name="Bánszky Balázs Ferenc" userId="S::banszkybalazsferenc@gszi.edu.hu::6ec244ae-6e05-4321-b371-72d13263ee0c" providerId="AD" clId="Web-{3907C92B-4C67-2A73-69F4-28C346ED7AE7}" dt="2025-05-17T12:06:58.817" v="2004"/>
-          <ac:picMkLst>
-            <pc:docMk/>
-            <pc:sldMk cId="1874802190" sldId="267"/>
-            <ac:picMk id="4" creationId="{68AD51BD-25BA-6BCE-9CFB-FFB17BB0937B}"/>
-          </ac:picMkLst>
-        </pc:picChg>
-        <pc:picChg chg="add del mod">
-          <ac:chgData name="Bánszky Balázs Ferenc" userId="S::banszkybalazsferenc@gszi.edu.hu::6ec244ae-6e05-4321-b371-72d13263ee0c" providerId="AD" clId="Web-{3907C92B-4C67-2A73-69F4-28C346ED7AE7}" dt="2025-05-17T12:07:02.629" v="2006"/>
-          <ac:picMkLst>
-            <pc:docMk/>
-            <pc:sldMk cId="1874802190" sldId="267"/>
-            <ac:picMk id="5" creationId="{794F53FB-A6CD-26C4-AE0F-54DC607BD237}"/>
-          </ac:picMkLst>
-        </pc:picChg>
-        <pc:picChg chg="add mod modCrop">
-          <ac:chgData name="Bánszky Balázs Ferenc" userId="S::banszkybalazsferenc@gszi.edu.hu::6ec244ae-6e05-4321-b371-72d13263ee0c" providerId="AD" clId="Web-{3907C92B-4C67-2A73-69F4-28C346ED7AE7}" dt="2025-05-17T12:07:38.068" v="2011" actId="1076"/>
-          <ac:picMkLst>
-            <pc:docMk/>
-            <pc:sldMk cId="1874802190" sldId="267"/>
-            <ac:picMk id="6" creationId="{E4267BA3-ADFE-525C-4FFB-4C491088373B}"/>
-          </ac:picMkLst>
-        </pc:picChg>
-      </pc:sldChg>
-    </pc:docChg>
-  </pc:docChgLst>
-</pc:chgInfo>
 </file>
 
 <file path=ppt/notesMasters/notesMaster1.xml><?xml version="1.0" encoding="utf-8"?>
@@ -1007,7 +861,12 @@
             <p:ph type="sldImg"/>
           </p:nvPr>
         </p:nvSpPr>
-        <p:spPr/>
+        <p:spPr>
+          <a:xfrm>
+            <a:off x="381000" y="685800"/>
+            <a:ext cx="6096000" cy="3429000"/>
+          </a:xfrm>
+        </p:spPr>
       </p:sp>
       <p:sp>
         <p:nvSpPr>
@@ -2029,7 +1888,7 @@
         </p:nvSpPr>
         <p:spPr>
           <a:xfrm>
-            <a:off x="381300" y="685800"/>
+            <a:off x="381000" y="685800"/>
             <a:ext cx="6096000" cy="3429000"/>
           </a:xfrm>
           <a:custGeom>
@@ -3205,7 +3064,7 @@
         </p:nvSpPr>
         <p:spPr>
           <a:xfrm>
-            <a:off x="381300" y="685800"/>
+            <a:off x="381000" y="685800"/>
             <a:ext cx="6096000" cy="3429000"/>
           </a:xfrm>
           <a:custGeom>
@@ -3880,7 +3739,7 @@
         </p:nvSpPr>
         <p:spPr>
           <a:xfrm>
-            <a:off x="381300" y="685800"/>
+            <a:off x="381000" y="685800"/>
             <a:ext cx="6096000" cy="3429000"/>
           </a:xfrm>
           <a:custGeom>
@@ -4353,7 +4212,7 @@
         </p:nvSpPr>
         <p:spPr>
           <a:xfrm>
-            <a:off x="381300" y="685800"/>
+            <a:off x="381000" y="685800"/>
             <a:ext cx="6096000" cy="3429000"/>
           </a:xfrm>
           <a:custGeom>
@@ -4879,7 +4738,7 @@
         </p:nvSpPr>
         <p:spPr>
           <a:xfrm>
-            <a:off x="381300" y="685800"/>
+            <a:off x="381000" y="685800"/>
             <a:ext cx="6096000" cy="3429000"/>
           </a:xfrm>
           <a:custGeom>
@@ -5369,7 +5228,7 @@
         </p:nvSpPr>
         <p:spPr>
           <a:xfrm>
-            <a:off x="381300" y="685800"/>
+            <a:off x="381000" y="685800"/>
             <a:ext cx="6096000" cy="3429000"/>
           </a:xfrm>
           <a:custGeom>
@@ -5938,7 +5797,7 @@
         </p:nvSpPr>
         <p:spPr>
           <a:xfrm>
-            <a:off x="381300" y="685800"/>
+            <a:off x="381000" y="685800"/>
             <a:ext cx="6096000" cy="3429000"/>
           </a:xfrm>
           <a:custGeom>
@@ -6276,7 +6135,7 @@
         </p:nvSpPr>
         <p:spPr>
           <a:xfrm>
-            <a:off x="381300" y="685800"/>
+            <a:off x="381000" y="685800"/>
             <a:ext cx="6096000" cy="3429000"/>
           </a:xfrm>
           <a:custGeom>
@@ -12557,7 +12416,7 @@
           <a:lstStyle/>
           <a:p>
             <a:r>
-              <a:rPr lang="en-US" dirty="0" err="1"/>
+              <a:rPr lang="hu-HU" dirty="0"/>
               <a:t>Tesztelés</a:t>
             </a:r>
           </a:p>
@@ -12584,7 +12443,7 @@
           <a:bodyPr/>
           <a:lstStyle/>
           <a:p>
-            <a:endParaRPr lang="en-US"/>
+            <a:endParaRPr lang="hu-HU" dirty="0"/>
           </a:p>
           <a:p>
             <a:pPr>
@@ -12593,9 +12452,10 @@
               </a:lnSpc>
             </a:pPr>
             <a:r>
-              <a:rPr lang="en-US" dirty="0"/>
+              <a:rPr lang="hu-HU" b="1" err="1"/>
               <a:t>Mocha</a:t>
             </a:r>
+            <a:endParaRPr lang="hu-HU" b="1"/>
           </a:p>
           <a:p>
             <a:pPr>
@@ -12604,16 +12464,8 @@
               </a:lnSpc>
             </a:pPr>
             <a:r>
-              <a:rPr lang="en-US" dirty="0" err="1"/>
-              <a:t>Ismerősök</a:t>
-            </a:r>
-            <a:r>
-              <a:rPr lang="en-US" dirty="0"/>
-              <a:t>, </a:t>
-            </a:r>
-            <a:r>
-              <a:rPr lang="en-US" dirty="0" err="1"/>
-              <a:t>osztálytársak</a:t>
+              <a:rPr lang="hu-HU" dirty="0"/>
+              <a:t>Ismerősök, osztálytársak</a:t>
             </a:r>
           </a:p>
         </p:txBody>
@@ -12634,7 +12486,7 @@
         </p:nvPicPr>
         <p:blipFill>
           <a:blip r:embed="rId3"/>
-          <a:srcRect l="11231" t="2440" r="8612" b="3746"/>
+          <a:srcRect l="11142" t="2374" r="8914" b="3874"/>
           <a:stretch>
             <a:fillRect/>
           </a:stretch>
@@ -12642,13 +12494,59 @@
         <p:spPr>
           <a:xfrm>
             <a:off x="5487079" y="1421946"/>
-            <a:ext cx="3099709" cy="3411784"/>
+            <a:ext cx="3091488" cy="3409525"/>
           </a:xfrm>
           <a:prstGeom prst="rect">
             <a:avLst/>
           </a:prstGeom>
+          <a:ln>
+            <a:noFill/>
+          </a:ln>
         </p:spPr>
       </p:pic>
+      <p:sp>
+        <p:nvSpPr>
+          <p:cNvPr id="5" name="TextBox 4">
+            <a:extLst>
+              <a:ext uri="{FF2B5EF4-FFF2-40B4-BE49-F238E27FC236}">
+                <a16:creationId xmlns:a16="http://schemas.microsoft.com/office/drawing/2014/main" id="{26B73165-C7FF-8EDC-BC7A-D7CD9E040090}"/>
+              </a:ext>
+            </a:extLst>
+          </p:cNvPr>
+          <p:cNvSpPr txBox="1"/>
+          <p:nvPr/>
+        </p:nvSpPr>
+        <p:spPr>
+          <a:xfrm>
+            <a:off x="7449388" y="4438530"/>
+            <a:ext cx="1136531" cy="261610"/>
+          </a:xfrm>
+          <a:prstGeom prst="rect">
+            <a:avLst/>
+          </a:prstGeom>
+          <a:noFill/>
+        </p:spPr>
+        <p:txBody>
+          <a:bodyPr rot="0" spcFirstLastPara="0" vertOverflow="overflow" horzOverflow="overflow" vert="horz" wrap="square" lIns="91440" tIns="45720" rIns="91440" bIns="45720" numCol="1" spcCol="0" rtlCol="0" fromWordArt="0" anchor="t" anchorCtr="0" forceAA="0" compatLnSpc="1">
+            <a:prstTxWarp prst="textNoShape">
+              <a:avLst/>
+            </a:prstTxWarp>
+            <a:spAutoFit/>
+          </a:bodyPr>
+          <a:lstStyle/>
+          <a:p>
+            <a:pPr algn="r"/>
+            <a:r>
+              <a:rPr lang="en-US" sz="1100" dirty="0">
+                <a:solidFill>
+                  <a:srgbClr val="7F7F7F"/>
+                </a:solidFill>
+              </a:rPr>
+              <a:t>[8]</a:t>
+            </a:r>
+          </a:p>
+        </p:txBody>
+      </p:sp>
     </p:spTree>
     <p:extLst>
       <p:ext uri="{BB962C8B-B14F-4D97-AF65-F5344CB8AC3E}">
@@ -12714,10 +12612,9 @@
               <a:buNone/>
             </a:pPr>
             <a:r>
-              <a:rPr lang="en"/>
+              <a:rPr lang="hu-HU" dirty="0"/>
               <a:t>Csapatmunka</a:t>
             </a:r>
-            <a:endParaRPr/>
           </a:p>
         </p:txBody>
       </p:sp>
@@ -12769,7 +12666,7 @@
               <a:buChar char="-"/>
             </a:pPr>
             <a:r>
-              <a:rPr lang="en"/>
+              <a:rPr lang="en" dirty="0"/>
               <a:t>Signal</a:t>
             </a:r>
             <a:endParaRPr/>
@@ -12786,10 +12683,10 @@
               <a:buChar char="-"/>
             </a:pPr>
             <a:r>
-              <a:rPr lang="en"/>
+              <a:rPr lang="en" b="1" dirty="0"/>
               <a:t>GitHub</a:t>
             </a:r>
-            <a:endParaRPr/>
+            <a:endParaRPr b="1" dirty="0"/>
           </a:p>
           <a:p>
             <a:pPr marL="457200" lvl="0" indent="-342900" algn="l" rtl="0">
@@ -12803,7 +12700,7 @@
               <a:buChar char="-"/>
             </a:pPr>
             <a:r>
-              <a:rPr lang="en"/>
+              <a:rPr lang="en" dirty="0" err="1"/>
               <a:t>Tanórák</a:t>
             </a:r>
             <a:endParaRPr/>
@@ -12826,7 +12723,7 @@
         </p:blipFill>
         <p:spPr>
           <a:xfrm>
-            <a:off x="5019725" y="1406325"/>
+            <a:off x="5321649" y="1406325"/>
             <a:ext cx="3203599" cy="3203599"/>
           </a:xfrm>
           <a:prstGeom prst="rect">
@@ -12838,6 +12735,49 @@
           </a:ln>
         </p:spPr>
       </p:pic>
+      <p:sp>
+        <p:nvSpPr>
+          <p:cNvPr id="3" name="TextBox 2">
+            <a:extLst>
+              <a:ext uri="{FF2B5EF4-FFF2-40B4-BE49-F238E27FC236}">
+                <a16:creationId xmlns:a16="http://schemas.microsoft.com/office/drawing/2014/main" id="{C990F600-1285-1B3A-43C0-0A12294BAA43}"/>
+              </a:ext>
+            </a:extLst>
+          </p:cNvPr>
+          <p:cNvSpPr txBox="1"/>
+          <p:nvPr/>
+        </p:nvSpPr>
+        <p:spPr>
+          <a:xfrm>
+            <a:off x="7621916" y="4309134"/>
+            <a:ext cx="1136531" cy="261610"/>
+          </a:xfrm>
+          <a:prstGeom prst="rect">
+            <a:avLst/>
+          </a:prstGeom>
+          <a:noFill/>
+        </p:spPr>
+        <p:txBody>
+          <a:bodyPr rot="0" spcFirstLastPara="0" vertOverflow="overflow" horzOverflow="overflow" vert="horz" wrap="square" lIns="91440" tIns="45720" rIns="91440" bIns="45720" numCol="1" spcCol="0" rtlCol="0" fromWordArt="0" anchor="t" anchorCtr="0" forceAA="0" compatLnSpc="1">
+            <a:prstTxWarp prst="textNoShape">
+              <a:avLst/>
+            </a:prstTxWarp>
+            <a:spAutoFit/>
+          </a:bodyPr>
+          <a:lstStyle/>
+          <a:p>
+            <a:pPr algn="r"/>
+            <a:r>
+              <a:rPr lang="en-US" sz="1100" dirty="0">
+                <a:solidFill>
+                  <a:srgbClr val="7F7F7F"/>
+                </a:solidFill>
+              </a:rPr>
+              <a:t>[9]</a:t>
+            </a:r>
+          </a:p>
+        </p:txBody>
+      </p:sp>
     </p:spTree>
   </p:cSld>
   <p:clrMapOvr>
@@ -12898,10 +12838,9 @@
               <a:buNone/>
             </a:pPr>
             <a:r>
-              <a:rPr lang="en"/>
+              <a:rPr lang="hu-HU" dirty="0"/>
               <a:t>Köszönjük a figyelmüket!</a:t>
             </a:r>
-            <a:endParaRPr/>
           </a:p>
         </p:txBody>
       </p:sp>
@@ -12914,7 +12853,7 @@
         <p:spPr>
           <a:xfrm>
             <a:off x="206300" y="2771175"/>
-            <a:ext cx="3960900" cy="2401200"/>
+            <a:ext cx="3960900" cy="1661963"/>
           </a:xfrm>
           <a:prstGeom prst="rect">
             <a:avLst/>
@@ -12923,6 +12862,13 @@
           <a:ln>
             <a:noFill/>
           </a:ln>
+          <a:effectLst>
+            <a:outerShdw blurRad="63500" dist="38100" dir="2700000">
+              <a:srgbClr val="000000">
+                <a:alpha val="40000"/>
+              </a:srgbClr>
+            </a:outerShdw>
+          </a:effectLst>
         </p:spPr>
         <p:txBody>
           <a:bodyPr spcFirstLastPara="1" wrap="square" lIns="91425" tIns="91425" rIns="91425" bIns="91425" anchor="t" anchorCtr="0">
@@ -12930,19 +12876,10 @@
           </a:bodyPr>
           <a:lstStyle/>
           <a:p>
-            <a:pPr marL="0" lvl="0" indent="0" algn="l" rtl="0">
-              <a:spcBef>
-                <a:spcPts val="0"/>
-              </a:spcBef>
-              <a:spcAft>
-                <a:spcPts val="0"/>
-              </a:spcAft>
-              <a:buNone/>
-            </a:pPr>
-            <a:r>
-              <a:rPr lang="en" sz="1800" u="sng">
+            <a:r>
+              <a:rPr lang="en" sz="1200" u="sng" dirty="0">
                 <a:solidFill>
-                  <a:schemeClr val="accent3"/>
+                  <a:srgbClr val="9D6BD4"/>
                 </a:solidFill>
                 <a:latin typeface="Source Sans Pro"/>
                 <a:ea typeface="Source Sans Pro"/>
@@ -12956,11 +12893,11 @@
                   </a:extLst>
                 </a:hlinkClick>
               </a:rPr>
-              <a:t>https://en.m.wikipedia.org/wiki/File:Unofficial_JavaScript_logo_2.svg</a:t>
-            </a:r>
-            <a:endParaRPr sz="1800">
+              <a:t>[1]_https://en.m.wikipedia.org/wiki/File:Unofficial_JavaScript_logo_2.svg</a:t>
+            </a:r>
+            <a:endParaRPr sz="1200" dirty="0">
               <a:solidFill>
-                <a:schemeClr val="accent3"/>
+                <a:srgbClr val="9D6BD4"/>
               </a:solidFill>
               <a:latin typeface="Source Sans Pro"/>
               <a:ea typeface="Source Sans Pro"/>
@@ -12969,19 +12906,10 @@
             </a:endParaRPr>
           </a:p>
           <a:p>
-            <a:pPr marL="0" lvl="0" indent="0" algn="l" rtl="0">
-              <a:spcBef>
-                <a:spcPts val="0"/>
-              </a:spcBef>
-              <a:spcAft>
-                <a:spcPts val="0"/>
-              </a:spcAft>
-              <a:buNone/>
-            </a:pPr>
-            <a:r>
-              <a:rPr lang="en" sz="1800" u="sng">
+            <a:r>
+              <a:rPr lang="en" sz="1200" u="sng" dirty="0">
                 <a:solidFill>
-                  <a:schemeClr val="accent3"/>
+                  <a:srgbClr val="9D6BD4"/>
                 </a:solidFill>
                 <a:latin typeface="Source Sans Pro"/>
                 <a:ea typeface="Source Sans Pro"/>
@@ -12995,37 +12923,48 @@
                   </a:extLst>
                 </a:hlinkClick>
               </a:rPr>
-              <a:t>https://en.m.wikipedia.org/wiki/File:Node.js_logo.svg</a:t>
-            </a:r>
-            <a:endParaRPr sz="1800">
+              <a:t>[2]_https://en.m.wikipedia.org/wiki/File:Node.js_logo.svg</a:t>
+            </a:r>
+            <a:endParaRPr sz="1200" dirty="0">
               <a:solidFill>
-                <a:schemeClr val="accent3"/>
+                <a:srgbClr val="9D6BD4"/>
               </a:solidFill>
               <a:latin typeface="Source Sans Pro"/>
               <a:ea typeface="Source Sans Pro"/>
               <a:cs typeface="Source Sans Pro"/>
               <a:sym typeface="Source Sans Pro"/>
+              <a:hlinkClick r:id="rId4">
+                <a:extLst>
+                  <a:ext uri="{A12FA001-AC4F-418D-AE19-62706E023703}">
+                    <ahyp:hlinkClr xmlns:ahyp="http://schemas.microsoft.com/office/drawing/2018/hyperlinkcolor" val="tx"/>
+                  </a:ext>
+                </a:extLst>
+              </a:hlinkClick>
             </a:endParaRPr>
           </a:p>
           <a:p>
-            <a:pPr marL="0" lvl="0" indent="0" algn="l" rtl="0">
-              <a:spcBef>
-                <a:spcPts val="0"/>
-              </a:spcBef>
-              <a:spcAft>
-                <a:spcPts val="0"/>
-              </a:spcAft>
-              <a:buNone/>
-            </a:pPr>
-            <a:r>
-              <a:rPr lang="en" sz="1800" u="sng">
+            <a:r>
+              <a:rPr lang="en" sz="1200" u="sng" dirty="0">
                 <a:solidFill>
-                  <a:schemeClr val="accent3"/>
+                  <a:schemeClr val="accent2">
+                    <a:lumMod val="60000"/>
+                    <a:lumOff val="40000"/>
+                  </a:schemeClr>
                 </a:solidFill>
                 <a:latin typeface="Source Sans Pro"/>
                 <a:ea typeface="Source Sans Pro"/>
-                <a:cs typeface="Source Sans Pro"/>
-                <a:sym typeface="Source Sans Pro"/>
+              </a:rPr>
+              <a:t>[3] </a:t>
+            </a:r>
+            <a:r>
+              <a:rPr lang="en" sz="1200" dirty="0">
+                <a:solidFill>
+                  <a:schemeClr val="accent2">
+                    <a:lumMod val="60000"/>
+                    <a:lumOff val="40000"/>
+                  </a:schemeClr>
+                </a:solidFill>
+                <a:ea typeface="Source Sans Pro"/>
                 <a:hlinkClick r:id="rId5">
                   <a:extLst>
                     <a:ext uri="{A12FA001-AC4F-418D-AE19-62706E023703}">
@@ -13034,37 +12973,38 @@
                   </a:extLst>
                 </a:hlinkClick>
               </a:rPr>
-              <a:t>https://handlebarsjs.com/</a:t>
-            </a:r>
-            <a:endParaRPr sz="1800">
+              <a:t>https://jwt.io/</a:t>
+            </a:r>
+            <a:r>
+              <a:rPr lang="en" sz="1200" dirty="0">
+                <a:solidFill>
+                  <a:schemeClr val="accent2">
+                    <a:lumMod val="60000"/>
+                    <a:lumOff val="40000"/>
+                  </a:schemeClr>
+                </a:solidFill>
+                <a:ea typeface="Source Sans Pro"/>
+              </a:rPr>
+              <a:t> </a:t>
+            </a:r>
+            <a:endParaRPr lang="en" sz="1200" u="sng" dirty="0">
               <a:solidFill>
-                <a:schemeClr val="accent3"/>
+                <a:schemeClr val="accent2">
+                  <a:lumMod val="60000"/>
+                  <a:lumOff val="40000"/>
+                </a:schemeClr>
               </a:solidFill>
-              <a:latin typeface="Source Sans Pro"/>
               <a:ea typeface="Source Sans Pro"/>
-              <a:cs typeface="Source Sans Pro"/>
-              <a:sym typeface="Source Sans Pro"/>
             </a:endParaRPr>
           </a:p>
           <a:p>
-            <a:pPr marL="0" lvl="0" indent="0" algn="l" rtl="0">
-              <a:spcBef>
-                <a:spcPts val="0"/>
-              </a:spcBef>
-              <a:spcAft>
-                <a:spcPts val="0"/>
-              </a:spcAft>
-              <a:buNone/>
-            </a:pPr>
-            <a:r>
-              <a:rPr lang="en" sz="1800" u="sng">
+            <a:r>
+              <a:rPr lang="en" sz="1200" dirty="0">
                 <a:solidFill>
-                  <a:schemeClr val="accent3"/>
+                  <a:srgbClr val="9D6BD4"/>
                 </a:solidFill>
                 <a:latin typeface="Source Sans Pro"/>
                 <a:ea typeface="Source Sans Pro"/>
-                <a:cs typeface="Source Sans Pro"/>
-                <a:sym typeface="Source Sans Pro"/>
                 <a:hlinkClick r:id="rId6">
                   <a:extLst>
                     <a:ext uri="{A12FA001-AC4F-418D-AE19-62706E023703}">
@@ -13073,51 +13013,67 @@
                   </a:extLst>
                 </a:hlinkClick>
               </a:rPr>
-              <a:t>https://webrtc.org/</a:t>
-            </a:r>
-            <a:endParaRPr sz="1800">
+              <a:t>[4]_https://www.sqlite.org/</a:t>
+            </a:r>
+            <a:endParaRPr lang="en"/>
+          </a:p>
+          <a:p>
+            <a:r>
+              <a:rPr lang="en" sz="1200" dirty="0">
+                <a:solidFill>
+                  <a:srgbClr val="9D6BD4"/>
+                </a:solidFill>
+                <a:latin typeface="Source Sans Pro"/>
+                <a:ea typeface="Source Sans Pro"/>
+                <a:hlinkClick r:id="rId7">
+                  <a:extLst>
+                    <a:ext uri="{A12FA001-AC4F-418D-AE19-62706E023703}">
+                      <ahyp:hlinkClr xmlns:ahyp="http://schemas.microsoft.com/office/drawing/2018/hyperlinkcolor" val="tx"/>
+                    </a:ext>
+                  </a:extLst>
+                </a:hlinkClick>
+              </a:rPr>
+              <a:t>[5]</a:t>
+            </a:r>
+            <a:r>
+              <a:rPr lang="en" sz="1200" dirty="0">
+                <a:solidFill>
+                  <a:srgbClr val="9D6BD4"/>
+                </a:solidFill>
+                <a:latin typeface="Source Sans Pro"/>
+                <a:ea typeface="Source Sans Pro"/>
+              </a:rPr>
+              <a:t>_</a:t>
+            </a:r>
+            <a:r>
+              <a:rPr lang="en" sz="1200" dirty="0">
+                <a:solidFill>
+                  <a:srgbClr val="9D6BD4"/>
+                </a:solidFill>
+                <a:latin typeface="Source Sans Pro"/>
+                <a:ea typeface="Source Sans Pro"/>
+                <a:hlinkClick r:id="rId7">
+                  <a:extLst>
+                    <a:ext uri="{A12FA001-AC4F-418D-AE19-62706E023703}">
+                      <ahyp:hlinkClr xmlns:ahyp="http://schemas.microsoft.com/office/drawing/2018/hyperlinkcolor" val="tx"/>
+                    </a:ext>
+                  </a:extLst>
+                </a:hlinkClick>
+              </a:rPr>
+              <a:t>https://en.wikipedia.org/wiki/MySQL#/media/File:MySQL_logo.svg</a:t>
+            </a:r>
+            <a:endParaRPr lang="en-US" sz="1200">
               <a:solidFill>
-                <a:schemeClr val="accent3"/>
+                <a:srgbClr val="611BB8"/>
               </a:solidFill>
               <a:latin typeface="Source Sans Pro"/>
               <a:ea typeface="Source Sans Pro"/>
-              <a:cs typeface="Source Sans Pro"/>
-              <a:sym typeface="Source Sans Pro"/>
             </a:endParaRPr>
           </a:p>
           <a:p>
-            <a:pPr marL="0" lvl="0" indent="0" algn="l" rtl="0">
-              <a:spcBef>
-                <a:spcPts val="0"/>
-              </a:spcBef>
-              <a:spcAft>
-                <a:spcPts val="0"/>
-              </a:spcAft>
-              <a:buNone/>
-            </a:pPr>
-            <a:endParaRPr sz="1800">
+            <a:endParaRPr sz="1200">
               <a:solidFill>
-                <a:schemeClr val="accent3"/>
-              </a:solidFill>
-              <a:latin typeface="Source Sans Pro"/>
-              <a:ea typeface="Source Sans Pro"/>
-              <a:cs typeface="Source Sans Pro"/>
-              <a:sym typeface="Source Sans Pro"/>
-            </a:endParaRPr>
-          </a:p>
-          <a:p>
-            <a:pPr marL="0" lvl="0" indent="0" algn="l" rtl="0">
-              <a:spcBef>
-                <a:spcPts val="0"/>
-              </a:spcBef>
-              <a:spcAft>
-                <a:spcPts val="0"/>
-              </a:spcAft>
-              <a:buNone/>
-            </a:pPr>
-            <a:endParaRPr sz="1800">
-              <a:solidFill>
-                <a:schemeClr val="accent3"/>
+                <a:srgbClr val="9D6BD4"/>
               </a:solidFill>
               <a:latin typeface="Source Sans Pro"/>
               <a:ea typeface="Source Sans Pro"/>
@@ -13136,7 +13092,7 @@
         <p:spPr>
           <a:xfrm>
             <a:off x="4708675" y="2771175"/>
-            <a:ext cx="3960900" cy="2400627"/>
+            <a:ext cx="3960900" cy="1477297"/>
           </a:xfrm>
           <a:prstGeom prst="rect">
             <a:avLst/>
@@ -13152,25 +13108,16 @@
           </a:bodyPr>
           <a:lstStyle/>
           <a:p>
-            <a:pPr marL="0" lvl="0" indent="0" algn="l" rtl="0">
-              <a:spcBef>
-                <a:spcPts val="0"/>
-              </a:spcBef>
-              <a:spcAft>
-                <a:spcPts val="0"/>
-              </a:spcAft>
-              <a:buNone/>
-            </a:pPr>
-            <a:r>
-              <a:rPr lang="en" sz="1800" u="sng" dirty="0">
+            <a:r>
+              <a:rPr lang="en" sz="1200" dirty="0">
                 <a:solidFill>
-                  <a:schemeClr val="accent3"/>
+                  <a:srgbClr val="9D6BD4"/>
                 </a:solidFill>
                 <a:latin typeface="Source Sans Pro"/>
                 <a:ea typeface="Source Sans Pro"/>
                 <a:cs typeface="Source Sans Pro"/>
                 <a:sym typeface="Source Sans Pro"/>
-                <a:hlinkClick r:id="rId7">
+                <a:hlinkClick r:id="" action="ppaction://noaction">
                   <a:extLst>
                     <a:ext uri="{A12FA001-AC4F-418D-AE19-62706E023703}">
                       <ahyp:hlinkClr xmlns:ahyp="http://schemas.microsoft.com/office/drawing/2018/hyperlinkcolor" val="tx"/>
@@ -13178,11 +13125,11 @@
                   </a:extLst>
                 </a:hlinkClick>
               </a:rPr>
-              <a:t>https://en.wikipedia.org/wiki/MySQL#/media/File:MySQL_logo.svg</a:t>
-            </a:r>
-            <a:endParaRPr sz="1800" dirty="0">
+              <a:t>[6]_https://handlebarsjs.com/</a:t>
+            </a:r>
+            <a:endParaRPr lang="en-US" sz="1200" dirty="0">
               <a:solidFill>
-                <a:schemeClr val="accent3"/>
+                <a:srgbClr val="611BB8"/>
               </a:solidFill>
               <a:latin typeface="Source Sans Pro"/>
               <a:ea typeface="Source Sans Pro"/>
@@ -13191,23 +13138,36 @@
             </a:endParaRPr>
           </a:p>
           <a:p>
-            <a:pPr marL="0" lvl="0" indent="0" algn="l" rtl="0">
-              <a:spcBef>
-                <a:spcPts val="0"/>
-              </a:spcBef>
-              <a:spcAft>
-                <a:spcPts val="0"/>
-              </a:spcAft>
-              <a:buNone/>
-            </a:pPr>
-            <a:r>
-              <a:rPr lang="en" sz="1800" u="sng" dirty="0">
+            <a:r>
+              <a:rPr lang="en" sz="1200" dirty="0">
                 <a:solidFill>
-                  <a:schemeClr val="accent3"/>
+                  <a:srgbClr val="9D6BD4"/>
                 </a:solidFill>
                 <a:latin typeface="Source Sans Pro"/>
                 <a:ea typeface="Source Sans Pro"/>
                 <a:cs typeface="Source Sans Pro"/>
+                <a:sym typeface="Source Sans Pro"/>
+                <a:hlinkClick r:id="" action="ppaction://noaction">
+                  <a:extLst>
+                    <a:ext uri="{A12FA001-AC4F-418D-AE19-62706E023703}">
+                      <ahyp:hlinkClr xmlns:ahyp="http://schemas.microsoft.com/office/drawing/2018/hyperlinkcolor" val="tx"/>
+                    </a:ext>
+                  </a:extLst>
+                </a:hlinkClick>
+              </a:rPr>
+              <a:t>[7]_https://webrtc.org/</a:t>
+            </a:r>
+            <a:endParaRPr lang="en" dirty="0">
+              <a:sym typeface="Source Sans Pro"/>
+            </a:endParaRPr>
+          </a:p>
+          <a:p>
+            <a:r>
+              <a:rPr lang="en-US" sz="1200" dirty="0">
+                <a:solidFill>
+                  <a:srgbClr val="9D6BD4"/>
+                </a:solidFill>
+                <a:ea typeface="Source Sans Pro"/>
                 <a:sym typeface="Source Sans Pro"/>
                 <a:hlinkClick r:id="rId8">
                   <a:extLst>
@@ -13217,32 +13177,44 @@
                   </a:extLst>
                 </a:hlinkClick>
               </a:rPr>
-              <a:t>https://www.sqlite.org/</a:t>
-            </a:r>
-            <a:endParaRPr sz="1800" dirty="0">
-              <a:solidFill>
-                <a:schemeClr val="accent3"/>
-              </a:solidFill>
-              <a:latin typeface="Source Sans Pro"/>
-              <a:ea typeface="Source Sans Pro"/>
-              <a:cs typeface="Source Sans Pro"/>
+              <a:t>[8]</a:t>
+            </a:r>
+            <a:r>
+              <a:rPr lang="en-US" sz="1200" dirty="0">
+                <a:solidFill>
+                  <a:srgbClr val="9D6BD4"/>
+                </a:solidFill>
+                <a:ea typeface="Source Sans Pro"/>
+                <a:sym typeface="Source Sans Pro"/>
+              </a:rPr>
+              <a:t>_</a:t>
+            </a:r>
+            <a:r>
+              <a:rPr lang="en-US" sz="1200" dirty="0">
+                <a:solidFill>
+                  <a:srgbClr val="9D6BD4"/>
+                </a:solidFill>
+                <a:ea typeface="Source Sans Pro"/>
+                <a:sym typeface="Source Sans Pro"/>
+                <a:hlinkClick r:id="rId8">
+                  <a:extLst>
+                    <a:ext uri="{A12FA001-AC4F-418D-AE19-62706E023703}">
+                      <ahyp:hlinkClr xmlns:ahyp="http://schemas.microsoft.com/office/drawing/2018/hyperlinkcolor" val="tx"/>
+                    </a:ext>
+                  </a:extLst>
+                </a:hlinkClick>
+              </a:rPr>
+              <a:t>https://commons.wikimedia.org/wiki/File:Mocha_logo.svg</a:t>
+            </a:r>
+            <a:endParaRPr lang="en">
               <a:sym typeface="Source Sans Pro"/>
             </a:endParaRPr>
           </a:p>
           <a:p>
-            <a:pPr marL="0" lvl="0" indent="0" algn="l" rtl="0">
-              <a:spcBef>
-                <a:spcPts val="0"/>
-              </a:spcBef>
-              <a:spcAft>
-                <a:spcPts val="0"/>
-              </a:spcAft>
-              <a:buNone/>
-            </a:pPr>
-            <a:r>
-              <a:rPr lang="en" sz="1800" u="sng" dirty="0">
+            <a:r>
+              <a:rPr lang="en" sz="1200" u="sng" dirty="0">
                 <a:solidFill>
-                  <a:schemeClr val="accent3"/>
+                  <a:srgbClr val="9D6BD4"/>
                 </a:solidFill>
                 <a:latin typeface="Source Sans Pro"/>
                 <a:ea typeface="Source Sans Pro"/>
@@ -13256,52 +13228,21 @@
                   </a:extLst>
                 </a:hlinkClick>
               </a:rPr>
-              <a:t>https://en.m.wikipedia.org/wiki/File:Octicons-mark-github.svg</a:t>
-            </a:r>
-            <a:endParaRPr sz="1800" dirty="0">
+              <a:t>[9]_https://en.m.wikipedia.org/wiki/File:Octicons-mark-github.svg</a:t>
+            </a:r>
+            <a:endParaRPr sz="1200">
               <a:solidFill>
-                <a:schemeClr val="accent3"/>
+                <a:srgbClr val="9D6BD4"/>
               </a:solidFill>
               <a:latin typeface="Source Sans Pro"/>
               <a:ea typeface="Source Sans Pro"/>
               <a:cs typeface="Source Sans Pro"/>
-              <a:sym typeface="Source Sans Pro"/>
             </a:endParaRPr>
           </a:p>
           <a:p>
-            <a:pPr marL="0" lvl="0" indent="0" algn="l">
-              <a:spcBef>
-                <a:spcPts val="0"/>
-              </a:spcBef>
-              <a:spcAft>
-                <a:spcPts val="0"/>
-              </a:spcAft>
-              <a:buNone/>
-            </a:pPr>
-            <a:r>
-              <a:rPr lang="en-US" sz="1800" dirty="0">
-                <a:solidFill>
-                  <a:schemeClr val="accent3"/>
-                </a:solidFill>
-                <a:ea typeface="Source Sans Pro"/>
-                <a:hlinkClick r:id="rId10">
-                  <a:extLst>
-                    <a:ext uri="{A12FA001-AC4F-418D-AE19-62706E023703}">
-                      <ahyp:hlinkClr xmlns:ahyp="http://schemas.microsoft.com/office/drawing/2018/hyperlinkcolor" val="tx"/>
-                    </a:ext>
-                  </a:extLst>
-                </a:hlinkClick>
-              </a:rPr>
-              <a:t>https://commons.wikimedia.org/wiki/File:Mocha_logo.svg</a:t>
-            </a:r>
-            <a:endParaRPr lang="en-US">
-              <a:ea typeface="Source Sans Pro"/>
-            </a:endParaRPr>
-          </a:p>
-          <a:p>
-            <a:endParaRPr lang="en-US" sz="1800" dirty="0">
+            <a:endParaRPr lang="en-US" sz="1200" dirty="0">
               <a:solidFill>
-                <a:schemeClr val="accent3"/>
+                <a:srgbClr val="9D6BD4"/>
               </a:solidFill>
             </a:endParaRPr>
           </a:p>
@@ -13367,10 +13308,9 @@
               <a:buNone/>
             </a:pPr>
             <a:r>
-              <a:rPr lang="en"/>
+              <a:rPr lang="hu-HU" dirty="0"/>
               <a:t>A szoftver célja</a:t>
             </a:r>
-            <a:endParaRPr/>
           </a:p>
         </p:txBody>
       </p:sp>
@@ -13408,7 +13348,7 @@
               </a:spcAft>
               <a:buNone/>
             </a:pPr>
-            <a:endParaRPr/>
+            <a:endParaRPr lang="hu-HU" dirty="0"/>
           </a:p>
           <a:p>
             <a:pPr marL="457200" lvl="0" indent="-342900" algn="l" rtl="0">
@@ -13422,10 +13362,17 @@
               <a:buChar char="-"/>
             </a:pPr>
             <a:r>
-              <a:rPr lang="en"/>
-              <a:t>Egyszerű, gördülékenyen használható csevegés alkalmazás</a:t>
-            </a:r>
-            <a:endParaRPr/>
+              <a:rPr lang="hu-HU" dirty="0"/>
+              <a:t>Egyszerű, </a:t>
+            </a:r>
+            <a:r>
+              <a:rPr lang="hu-HU" b="1" dirty="0"/>
+              <a:t>gördülékeny</a:t>
+            </a:r>
+            <a:r>
+              <a:rPr lang="hu-HU" dirty="0"/>
+              <a:t>en használható csevegés alkalmazás</a:t>
+            </a:r>
           </a:p>
           <a:p>
             <a:pPr marL="457200" lvl="0" indent="-342900" algn="l" rtl="0">
@@ -13439,10 +13386,29 @@
               <a:buChar char="-"/>
             </a:pPr>
             <a:r>
-              <a:rPr lang="en"/>
-              <a:t>Személyre szabható csoportos beszélgetések</a:t>
-            </a:r>
-            <a:endParaRPr/>
+              <a:rPr lang="hu-HU" b="1" dirty="0"/>
+              <a:t>Személyre szabható </a:t>
+            </a:r>
+            <a:r>
+              <a:rPr lang="hu-HU" dirty="0"/>
+              <a:t>csoportos beszélgetések</a:t>
+            </a:r>
+          </a:p>
+          <a:p>
+            <a:pPr>
+              <a:lnSpc>
+                <a:spcPct val="114999"/>
+              </a:lnSpc>
+              <a:buChar char="-"/>
+            </a:pPr>
+            <a:r>
+              <a:rPr lang="hu-HU" dirty="0" err="1"/>
+              <a:t>Testreszabható</a:t>
+            </a:r>
+            <a:r>
+              <a:rPr lang="hu-HU" dirty="0"/>
+              <a:t> profil és weboldal</a:t>
+            </a:r>
           </a:p>
         </p:txBody>
       </p:sp>
@@ -13534,10 +13500,9 @@
               <a:buNone/>
             </a:pPr>
             <a:r>
-              <a:rPr lang="en"/>
+              <a:rPr lang="hu-HU" dirty="0"/>
               <a:t>Műszaki megvalósítás</a:t>
             </a:r>
-            <a:endParaRPr/>
           </a:p>
         </p:txBody>
       </p:sp>
@@ -13575,7 +13540,7 @@
               </a:spcAft>
               <a:buNone/>
             </a:pPr>
-            <a:endParaRPr/>
+            <a:endParaRPr lang="hu-HU" dirty="0"/>
           </a:p>
           <a:p>
             <a:pPr marL="457200" lvl="0" indent="-342900" algn="l" rtl="0">
@@ -13589,10 +13554,13 @@
               <a:buChar char="-"/>
             </a:pPr>
             <a:r>
-              <a:rPr lang="en"/>
-              <a:t>Mind a front-end és back-end JavaScript</a:t>
-            </a:r>
-            <a:endParaRPr/>
+              <a:rPr lang="hu-HU" dirty="0"/>
+              <a:t>Mind a front-end és back-end </a:t>
+            </a:r>
+            <a:r>
+              <a:rPr lang="hu-HU" b="1" dirty="0"/>
+              <a:t>JavaScript</a:t>
+            </a:r>
           </a:p>
           <a:p>
             <a:pPr marL="457200" lvl="0" indent="-342900" algn="l" rtl="0">
@@ -13606,16 +13574,41 @@
               <a:buChar char="-"/>
             </a:pPr>
             <a:r>
-              <a:rPr lang="en"/>
+              <a:rPr lang="hu-HU" dirty="0"/>
               <a:t>Framework-ok hanyagolása</a:t>
             </a:r>
-            <a:endParaRPr/>
+          </a:p>
+          <a:p>
+            <a:pPr>
+              <a:lnSpc>
+                <a:spcPct val="114999"/>
+              </a:lnSpc>
+              <a:buChar char="-"/>
+            </a:pPr>
+            <a:r>
+              <a:rPr lang="hu-HU" b="1" dirty="0" err="1"/>
+              <a:t>JSDoc</a:t>
+            </a:r>
+            <a:r>
+              <a:rPr lang="hu-HU" b="1" dirty="0"/>
+              <a:t> </a:t>
+            </a:r>
+            <a:r>
+              <a:rPr lang="hu-HU" dirty="0"/>
+              <a:t>típusok használata</a:t>
+            </a:r>
           </a:p>
         </p:txBody>
       </p:sp>
       <p:pic>
         <p:nvPicPr>
-          <p:cNvPr id="75" name="Google Shape;75;p15"/>
+          <p:cNvPr id="75" name="Google Shape;75;p15">
+            <a:extLst>
+              <a:ext uri="{C183D7F6-B498-43B3-948B-1728B52AA6E4}">
+                <adec:decorative xmlns:adec="http://schemas.microsoft.com/office/drawing/2017/decorative" val="0"/>
+              </a:ext>
+            </a:extLst>
+          </p:cNvPr>
           <p:cNvPicPr preferRelativeResize="0"/>
           <p:nvPr/>
         </p:nvPicPr>
@@ -13641,6 +13634,49 @@
           </a:ln>
         </p:spPr>
       </p:pic>
+      <p:sp>
+        <p:nvSpPr>
+          <p:cNvPr id="2" name="TextBox 1">
+            <a:extLst>
+              <a:ext uri="{FF2B5EF4-FFF2-40B4-BE49-F238E27FC236}">
+                <a16:creationId xmlns:a16="http://schemas.microsoft.com/office/drawing/2014/main" id="{A55EB8F2-40F6-49D1-87BE-4BE744469114}"/>
+              </a:ext>
+            </a:extLst>
+          </p:cNvPr>
+          <p:cNvSpPr txBox="1"/>
+          <p:nvPr/>
+        </p:nvSpPr>
+        <p:spPr>
+          <a:xfrm>
+            <a:off x="7686614" y="4287568"/>
+            <a:ext cx="1136531" cy="261610"/>
+          </a:xfrm>
+          <a:prstGeom prst="rect">
+            <a:avLst/>
+          </a:prstGeom>
+          <a:noFill/>
+        </p:spPr>
+        <p:txBody>
+          <a:bodyPr rot="0" spcFirstLastPara="0" vertOverflow="overflow" horzOverflow="overflow" vert="horz" wrap="square" lIns="91440" tIns="45720" rIns="91440" bIns="45720" numCol="1" spcCol="0" rtlCol="0" fromWordArt="0" anchor="t" anchorCtr="0" forceAA="0" compatLnSpc="1">
+            <a:prstTxWarp prst="textNoShape">
+              <a:avLst/>
+            </a:prstTxWarp>
+            <a:spAutoFit/>
+          </a:bodyPr>
+          <a:lstStyle/>
+          <a:p>
+            <a:pPr algn="r"/>
+            <a:r>
+              <a:rPr lang="en-US" sz="1100" dirty="0">
+                <a:solidFill>
+                  <a:srgbClr val="7F7F7F"/>
+                </a:solidFill>
+              </a:rPr>
+              <a:t>[1]</a:t>
+            </a:r>
+          </a:p>
+        </p:txBody>
+      </p:sp>
     </p:spTree>
   </p:cSld>
   <p:clrMapOvr>
@@ -13701,10 +13737,9 @@
               <a:buNone/>
             </a:pPr>
             <a:r>
-              <a:rPr lang="en"/>
+              <a:rPr lang="hu-HU" dirty="0"/>
               <a:t>Működése</a:t>
             </a:r>
-            <a:endParaRPr/>
           </a:p>
         </p:txBody>
       </p:sp>
@@ -13742,7 +13777,7 @@
               </a:spcAft>
               <a:buNone/>
             </a:pPr>
-            <a:endParaRPr/>
+            <a:endParaRPr lang="hu-HU" dirty="0"/>
           </a:p>
           <a:p>
             <a:pPr marL="457200" lvl="0" indent="-342900" algn="l" rtl="0">
@@ -13756,36 +13791,49 @@
               <a:buChar char="-"/>
             </a:pPr>
             <a:r>
-              <a:rPr lang="en"/>
+              <a:rPr lang="hu-HU" dirty="0">
+                <a:solidFill>
+                  <a:schemeClr val="tx2"/>
+                </a:solidFill>
+              </a:rPr>
               <a:t>A </a:t>
             </a:r>
             <a:r>
-              <a:rPr lang="en" u="sng">
+              <a:rPr lang="hu-HU" b="1" dirty="0">
                 <a:solidFill>
-                  <a:schemeClr val="hlink"/>
+                  <a:schemeClr val="tx2"/>
                 </a:solidFill>
-                <a:hlinkClick r:id="rId3"/>
               </a:rPr>
               <a:t>Node.js</a:t>
             </a:r>
             <a:r>
-              <a:rPr lang="en"/>
+              <a:rPr lang="hu-HU" dirty="0">
+                <a:solidFill>
+                  <a:schemeClr val="tx2"/>
+                </a:solidFill>
+              </a:rPr>
               <a:t> app </a:t>
             </a:r>
             <a:r>
-              <a:rPr lang="en" u="sng">
+              <a:rPr lang="hu-HU" b="1" dirty="0">
                 <a:solidFill>
-                  <a:schemeClr val="hlink"/>
+                  <a:schemeClr val="tx2"/>
                 </a:solidFill>
-                <a:hlinkClick r:id="rId4"/>
               </a:rPr>
               <a:t>Express.js</a:t>
             </a:r>
             <a:r>
-              <a:rPr lang="en"/>
-              <a:t> által szolgálja az API-t és az erőforrásokat</a:t>
-            </a:r>
-            <a:endParaRPr/>
+              <a:rPr lang="hu-HU" dirty="0">
+                <a:solidFill>
+                  <a:schemeClr val="tx2"/>
+                </a:solidFill>
+              </a:rPr>
+              <a:t> ál</a:t>
+            </a:r>
+            <a:r>
+              <a:rPr lang="hu-HU" dirty="0"/>
+              <a:t>tal szolgálja az API-t és az erőforrásokat</a:t>
+            </a:r>
           </a:p>
           <a:p>
             <a:pPr marL="457200" lvl="0" indent="-342900" algn="l" rtl="0">
@@ -13799,27 +13847,38 @@
               <a:buChar char="-"/>
             </a:pPr>
             <a:r>
-              <a:rPr lang="en"/>
-              <a:t>Valós idejű frissítést WebSocket valósítja meg</a:t>
-            </a:r>
-            <a:endParaRPr/>
+              <a:rPr lang="hu-HU" dirty="0"/>
+              <a:t>Valós idejű frissítést </a:t>
+            </a:r>
+            <a:r>
+              <a:rPr lang="hu-HU" b="1" err="1"/>
+              <a:t>WebSocket</a:t>
+            </a:r>
+            <a:r>
+              <a:rPr lang="hu-HU" b="1" dirty="0"/>
+              <a:t> </a:t>
+            </a:r>
+            <a:r>
+              <a:rPr lang="hu-HU" dirty="0"/>
+              <a:t>valósítja meg</a:t>
+            </a:r>
           </a:p>
           <a:p>
-            <a:pPr marL="457200" lvl="0" indent="-342900" algn="l" rtl="0">
-              <a:spcBef>
-                <a:spcPts val="0"/>
-              </a:spcBef>
-              <a:spcAft>
-                <a:spcPts val="0"/>
-              </a:spcAft>
-              <a:buSzPts val="1800"/>
+            <a:pPr>
               <a:buChar char="-"/>
             </a:pPr>
             <a:r>
-              <a:rPr lang="en"/>
-              <a:t>Hanghívás WebRTC-n keresztül létezik</a:t>
-            </a:r>
-            <a:endParaRPr/>
+              <a:rPr lang="hu-HU" dirty="0"/>
+              <a:t>Videó- és hanghívás </a:t>
+            </a:r>
+            <a:r>
+              <a:rPr lang="hu-HU" b="1" dirty="0" err="1"/>
+              <a:t>WebRTC</a:t>
+            </a:r>
+            <a:r>
+              <a:rPr lang="hu-HU" dirty="0"/>
+              <a:t>-n keresztül létezik</a:t>
+            </a:r>
           </a:p>
         </p:txBody>
       </p:sp>
@@ -13831,7 +13890,7 @@
         </p:nvSpPr>
         <p:spPr>
           <a:xfrm>
-            <a:off x="2409213" y="3181900"/>
+            <a:off x="2635656" y="3268164"/>
             <a:ext cx="980400" cy="1265700"/>
           </a:xfrm>
           <a:prstGeom prst="rect">
@@ -13891,7 +13950,7 @@
         </p:nvSpPr>
         <p:spPr>
           <a:xfrm>
-            <a:off x="5574588" y="3101225"/>
+            <a:off x="5801031" y="3187489"/>
             <a:ext cx="980400" cy="400200"/>
           </a:xfrm>
           <a:prstGeom prst="rect">
@@ -13951,7 +14010,7 @@
         </p:nvSpPr>
         <p:spPr>
           <a:xfrm>
-            <a:off x="5574588" y="3614638"/>
+            <a:off x="5801031" y="3700902"/>
             <a:ext cx="980400" cy="400200"/>
           </a:xfrm>
           <a:prstGeom prst="rect">
@@ -14011,7 +14070,7 @@
         </p:nvSpPr>
         <p:spPr>
           <a:xfrm>
-            <a:off x="5574588" y="4128050"/>
+            <a:off x="5801031" y="4214314"/>
             <a:ext cx="980400" cy="400200"/>
           </a:xfrm>
           <a:prstGeom prst="rect">
@@ -14071,7 +14130,7 @@
         </p:nvSpPr>
         <p:spPr>
           <a:xfrm>
-            <a:off x="897563" y="3614650"/>
+            <a:off x="1124006" y="3700914"/>
             <a:ext cx="980400" cy="400200"/>
           </a:xfrm>
           <a:prstGeom prst="rect">
@@ -14127,15 +14186,14 @@
         <p:nvCxnSpPr>
           <p:cNvPr id="123" name="Google Shape;123;p21"/>
           <p:cNvCxnSpPr>
-            <a:stCxn id="122" idx="3"/>
-            <a:endCxn id="118" idx="1"/>
+            <a:cxnSpLocks/>
           </p:cNvCxnSpPr>
           <p:nvPr/>
         </p:nvCxnSpPr>
         <p:spPr>
           <a:xfrm>
-            <a:off x="1877963" y="3814750"/>
-            <a:ext cx="531300" cy="0"/>
+            <a:off x="2104406" y="3901014"/>
+            <a:ext cx="531250" cy="0"/>
           </a:xfrm>
           <a:prstGeom prst="straightConnector1">
             <a:avLst/>
@@ -14156,15 +14214,14 @@
         <p:nvCxnSpPr>
           <p:cNvPr id="124" name="Google Shape;124;p21"/>
           <p:cNvCxnSpPr>
-            <a:stCxn id="118" idx="3"/>
-            <a:endCxn id="119" idx="1"/>
+            <a:cxnSpLocks/>
           </p:cNvCxnSpPr>
           <p:nvPr/>
         </p:nvCxnSpPr>
         <p:spPr>
-          <a:xfrm rot="10800000" flipH="1">
-            <a:off x="3389613" y="3301450"/>
-            <a:ext cx="2184900" cy="513300"/>
+          <a:xfrm flipV="1">
+            <a:off x="3616056" y="3387714"/>
+            <a:ext cx="2184975" cy="513425"/>
           </a:xfrm>
           <a:prstGeom prst="straightConnector1">
             <a:avLst/>
@@ -14185,15 +14242,14 @@
         <p:nvCxnSpPr>
           <p:cNvPr id="125" name="Google Shape;125;p21"/>
           <p:cNvCxnSpPr>
-            <a:stCxn id="118" idx="3"/>
-            <a:endCxn id="121" idx="1"/>
+            <a:cxnSpLocks/>
           </p:cNvCxnSpPr>
           <p:nvPr/>
         </p:nvCxnSpPr>
         <p:spPr>
           <a:xfrm>
-            <a:off x="3389613" y="3814750"/>
-            <a:ext cx="2184900" cy="513300"/>
+            <a:off x="3616056" y="3901014"/>
+            <a:ext cx="2184975" cy="513400"/>
           </a:xfrm>
           <a:prstGeom prst="straightConnector1">
             <a:avLst/>
@@ -14214,15 +14270,14 @@
         <p:nvCxnSpPr>
           <p:cNvPr id="126" name="Google Shape;126;p21"/>
           <p:cNvCxnSpPr>
-            <a:stCxn id="118" idx="3"/>
-            <a:endCxn id="120" idx="1"/>
+            <a:cxnSpLocks/>
           </p:cNvCxnSpPr>
           <p:nvPr/>
         </p:nvCxnSpPr>
         <p:spPr>
-          <a:xfrm>
-            <a:off x="3389613" y="3814750"/>
-            <a:ext cx="2184900" cy="0"/>
+          <a:xfrm flipV="1">
+            <a:off x="3616056" y="3901014"/>
+            <a:ext cx="2184975" cy="12"/>
           </a:xfrm>
           <a:prstGeom prst="straightConnector1">
             <a:avLst/>
@@ -14243,19 +14298,18 @@
         <p:nvCxnSpPr>
           <p:cNvPr id="127" name="Google Shape;127;p21"/>
           <p:cNvCxnSpPr>
-            <a:stCxn id="120" idx="3"/>
-            <a:endCxn id="121" idx="3"/>
+            <a:cxnSpLocks/>
           </p:cNvCxnSpPr>
           <p:nvPr/>
         </p:nvCxnSpPr>
         <p:spPr>
           <a:xfrm>
-            <a:off x="6554988" y="3814738"/>
-            <a:ext cx="600" cy="513300"/>
+            <a:off x="6781431" y="3901002"/>
+            <a:ext cx="12700" cy="513412"/>
           </a:xfrm>
           <a:prstGeom prst="curvedConnector3">
             <a:avLst>
-              <a:gd name="adj1" fmla="val 52516667"/>
+              <a:gd name="adj1" fmla="val 1800000"/>
             </a:avLst>
           </a:prstGeom>
           <a:noFill/>
@@ -14278,7 +14332,7 @@
         </p:nvSpPr>
         <p:spPr>
           <a:xfrm>
-            <a:off x="3883138" y="4177575"/>
+            <a:off x="4109581" y="4263839"/>
             <a:ext cx="1306500" cy="461700"/>
           </a:xfrm>
           <a:prstGeom prst="rect">
@@ -14336,7 +14390,7 @@
         </p:nvSpPr>
         <p:spPr>
           <a:xfrm>
-            <a:off x="6939938" y="3840550"/>
+            <a:off x="7166381" y="3926814"/>
             <a:ext cx="1306500" cy="461700"/>
           </a:xfrm>
           <a:prstGeom prst="rect">
@@ -14501,10 +14555,10 @@
               <a:buChar char="-"/>
             </a:pPr>
             <a:r>
-              <a:rPr lang="en"/>
+              <a:rPr lang="en" dirty="0"/>
               <a:t>Node.js</a:t>
             </a:r>
-            <a:endParaRPr/>
+            <a:endParaRPr dirty="0"/>
           </a:p>
           <a:p>
             <a:pPr marL="457200" lvl="0" indent="-342900" algn="l" rtl="0">
@@ -14518,27 +14572,20 @@
               <a:buChar char="-"/>
             </a:pPr>
             <a:r>
-              <a:rPr lang="en"/>
+              <a:rPr lang="en" dirty="0"/>
               <a:t>Express.js</a:t>
             </a:r>
-            <a:endParaRPr/>
+            <a:endParaRPr dirty="0"/>
           </a:p>
           <a:p>
-            <a:pPr marL="457200" lvl="0" indent="-342900" algn="l" rtl="0">
-              <a:spcBef>
-                <a:spcPts val="0"/>
-              </a:spcBef>
-              <a:spcAft>
-                <a:spcPts val="0"/>
-              </a:spcAft>
-              <a:buSzPts val="1800"/>
+            <a:pPr>
               <a:buChar char="-"/>
             </a:pPr>
             <a:r>
-              <a:rPr lang="en"/>
+              <a:rPr lang="en" dirty="0"/>
               <a:t>HTTP &amp; HTTPS</a:t>
             </a:r>
-            <a:endParaRPr/>
+            <a:endParaRPr dirty="0"/>
           </a:p>
         </p:txBody>
       </p:sp>
@@ -14570,6 +14617,49 @@
           </a:ln>
         </p:spPr>
       </p:pic>
+      <p:sp>
+        <p:nvSpPr>
+          <p:cNvPr id="3" name="TextBox 2">
+            <a:extLst>
+              <a:ext uri="{FF2B5EF4-FFF2-40B4-BE49-F238E27FC236}">
+                <a16:creationId xmlns:a16="http://schemas.microsoft.com/office/drawing/2014/main" id="{749780D8-0E60-1B3A-B5D7-BD9D16896635}"/>
+              </a:ext>
+            </a:extLst>
+          </p:cNvPr>
+          <p:cNvSpPr txBox="1"/>
+          <p:nvPr/>
+        </p:nvSpPr>
+        <p:spPr>
+          <a:xfrm>
+            <a:off x="7417038" y="4309134"/>
+            <a:ext cx="1136531" cy="261610"/>
+          </a:xfrm>
+          <a:prstGeom prst="rect">
+            <a:avLst/>
+          </a:prstGeom>
+          <a:noFill/>
+        </p:spPr>
+        <p:txBody>
+          <a:bodyPr rot="0" spcFirstLastPara="0" vertOverflow="overflow" horzOverflow="overflow" vert="horz" wrap="square" lIns="91440" tIns="45720" rIns="91440" bIns="45720" numCol="1" spcCol="0" rtlCol="0" fromWordArt="0" anchor="t" anchorCtr="0" forceAA="0" compatLnSpc="1">
+            <a:prstTxWarp prst="textNoShape">
+              <a:avLst/>
+            </a:prstTxWarp>
+            <a:spAutoFit/>
+          </a:bodyPr>
+          <a:lstStyle/>
+          <a:p>
+            <a:pPr algn="r"/>
+            <a:r>
+              <a:rPr lang="en-US" sz="1100" dirty="0">
+                <a:solidFill>
+                  <a:srgbClr val="7F7F7F"/>
+                </a:solidFill>
+              </a:rPr>
+              <a:t>[2]</a:t>
+            </a:r>
+          </a:p>
+        </p:txBody>
+      </p:sp>
     </p:spTree>
   </p:cSld>
   <p:clrMapOvr>
@@ -14630,10 +14720,9 @@
               <a:buNone/>
             </a:pPr>
             <a:r>
-              <a:rPr lang="en" dirty="0" err="1"/>
+              <a:rPr lang="hu-HU" dirty="0"/>
               <a:t>Hitelesítés</a:t>
             </a:r>
-            <a:endParaRPr dirty="0" err="1"/>
           </a:p>
         </p:txBody>
       </p:sp>
@@ -14671,7 +14760,7 @@
               </a:spcAft>
               <a:buNone/>
             </a:pPr>
-            <a:endParaRPr/>
+            <a:endParaRPr lang="hu-HU" dirty="0"/>
           </a:p>
           <a:p>
             <a:pPr marL="457200" lvl="0" indent="-342900" algn="l" rtl="0">
@@ -14685,10 +14774,14 @@
               <a:buChar char="-"/>
             </a:pPr>
             <a:r>
-              <a:rPr lang="en"/>
-              <a:t>JSON Web Token</a:t>
-            </a:r>
-            <a:endParaRPr/>
+              <a:rPr lang="hu-HU" b="1" dirty="0"/>
+              <a:t>JSON Web </a:t>
+            </a:r>
+            <a:r>
+              <a:rPr lang="hu-HU" b="1" dirty="0" err="1"/>
+              <a:t>Token</a:t>
+            </a:r>
+            <a:endParaRPr lang="hu-HU" b="1" dirty="0"/>
           </a:p>
           <a:p>
             <a:pPr marL="457200" lvl="0" indent="-342900" algn="l" rtl="0">
@@ -14702,10 +14795,10 @@
               <a:buChar char="-"/>
             </a:pPr>
             <a:r>
-              <a:rPr lang="en"/>
+              <a:rPr lang="hu-HU" dirty="0" err="1"/>
               <a:t>Jose</a:t>
             </a:r>
-            <a:endParaRPr/>
+            <a:endParaRPr lang="hu-HU"/>
           </a:p>
           <a:p>
             <a:pPr marL="457200" lvl="0" indent="-342900" algn="l" rtl="0">
@@ -14719,10 +14812,13 @@
               <a:buChar char="-"/>
             </a:pPr>
             <a:r>
-              <a:rPr lang="en"/>
-              <a:t>Token feketelistázás</a:t>
-            </a:r>
-            <a:endParaRPr/>
+              <a:rPr lang="hu-HU" dirty="0" err="1"/>
+              <a:t>Token</a:t>
+            </a:r>
+            <a:r>
+              <a:rPr lang="hu-HU" dirty="0"/>
+              <a:t> feketelistázás</a:t>
+            </a:r>
           </a:p>
         </p:txBody>
       </p:sp>
@@ -14753,6 +14849,49 @@
           </a:ln>
         </p:spPr>
       </p:pic>
+      <p:sp>
+        <p:nvSpPr>
+          <p:cNvPr id="3" name="TextBox 2">
+            <a:extLst>
+              <a:ext uri="{FF2B5EF4-FFF2-40B4-BE49-F238E27FC236}">
+                <a16:creationId xmlns:a16="http://schemas.microsoft.com/office/drawing/2014/main" id="{A98307A1-563C-3C86-6873-8ACCAAF8F5B2}"/>
+              </a:ext>
+            </a:extLst>
+          </p:cNvPr>
+          <p:cNvSpPr txBox="1"/>
+          <p:nvPr/>
+        </p:nvSpPr>
+        <p:spPr>
+          <a:xfrm>
+            <a:off x="7535652" y="4082691"/>
+            <a:ext cx="1136531" cy="261610"/>
+          </a:xfrm>
+          <a:prstGeom prst="rect">
+            <a:avLst/>
+          </a:prstGeom>
+          <a:noFill/>
+        </p:spPr>
+        <p:txBody>
+          <a:bodyPr rot="0" spcFirstLastPara="0" vertOverflow="overflow" horzOverflow="overflow" vert="horz" wrap="square" lIns="91440" tIns="45720" rIns="91440" bIns="45720" numCol="1" spcCol="0" rtlCol="0" fromWordArt="0" anchor="t" anchorCtr="0" forceAA="0" compatLnSpc="1">
+            <a:prstTxWarp prst="textNoShape">
+              <a:avLst/>
+            </a:prstTxWarp>
+            <a:spAutoFit/>
+          </a:bodyPr>
+          <a:lstStyle/>
+          <a:p>
+            <a:pPr algn="r"/>
+            <a:r>
+              <a:rPr lang="en-US" sz="1100" dirty="0">
+                <a:solidFill>
+                  <a:srgbClr val="7F7F7F"/>
+                </a:solidFill>
+              </a:rPr>
+              <a:t>[3]</a:t>
+            </a:r>
+          </a:p>
+        </p:txBody>
+      </p:sp>
     </p:spTree>
   </p:cSld>
   <p:clrMapOvr>
@@ -14813,10 +14952,9 @@
               <a:buNone/>
             </a:pPr>
             <a:r>
-              <a:rPr lang="en"/>
+              <a:rPr lang="hu-HU" dirty="0"/>
               <a:t>Adatbázis</a:t>
             </a:r>
-            <a:endParaRPr/>
           </a:p>
         </p:txBody>
       </p:sp>
@@ -14854,7 +14992,7 @@
               </a:spcAft>
               <a:buNone/>
             </a:pPr>
-            <a:endParaRPr/>
+            <a:endParaRPr lang="hu-HU" dirty="0"/>
           </a:p>
           <a:p>
             <a:pPr marL="457200" lvl="0" indent="-342900" algn="l" rtl="0">
@@ -14868,10 +15006,9 @@
               <a:buChar char="-"/>
             </a:pPr>
             <a:r>
-              <a:rPr lang="en"/>
+              <a:rPr lang="hu-HU" dirty="0"/>
               <a:t>Saját SQL lekérdezés generátorok</a:t>
             </a:r>
-            <a:endParaRPr/>
           </a:p>
           <a:p>
             <a:pPr marL="457200" lvl="0" indent="-342900" algn="l" rtl="0">
@@ -14885,10 +15022,10 @@
               <a:buChar char="-"/>
             </a:pPr>
             <a:r>
-              <a:rPr lang="en"/>
+              <a:rPr lang="hu-HU" b="1" err="1"/>
               <a:t>MySQL</a:t>
             </a:r>
-            <a:endParaRPr/>
+            <a:endParaRPr lang="hu-HU" b="1"/>
           </a:p>
           <a:p>
             <a:pPr marL="457200" lvl="0" indent="-342900" algn="l" rtl="0">
@@ -14902,27 +15039,19 @@
               <a:buChar char="-"/>
             </a:pPr>
             <a:r>
-              <a:rPr lang="en"/>
+              <a:rPr lang="hu-HU" b="1" err="1"/>
               <a:t>SQLite</a:t>
             </a:r>
-            <a:endParaRPr/>
+            <a:endParaRPr lang="hu-HU" b="1"/>
           </a:p>
           <a:p>
-            <a:pPr marL="914400" lvl="1" indent="-317500" algn="l" rtl="0">
-              <a:spcBef>
-                <a:spcPts val="0"/>
-              </a:spcBef>
-              <a:spcAft>
-                <a:spcPts val="0"/>
-              </a:spcAft>
-              <a:buSzPts val="1400"/>
+            <a:pPr lvl="1">
               <a:buChar char="-"/>
             </a:pPr>
             <a:r>
-              <a:rPr lang="en"/>
-              <a:t>Memóriában / fájlban tárolt</a:t>
-            </a:r>
-            <a:endParaRPr/>
+              <a:rPr lang="hu-HU" dirty="0"/>
+              <a:t>Memóriában vagy fájlban tárolt</a:t>
+            </a:r>
           </a:p>
         </p:txBody>
       </p:sp>
@@ -14942,7 +15071,7 @@
         </p:blipFill>
         <p:spPr>
           <a:xfrm>
-            <a:off x="4909700" y="2213175"/>
+            <a:off x="4909700" y="2331788"/>
             <a:ext cx="3877450" cy="2641526"/>
           </a:xfrm>
           <a:prstGeom prst="rect">
@@ -14982,6 +15111,92 @@
           </a:ln>
         </p:spPr>
       </p:pic>
+      <p:sp>
+        <p:nvSpPr>
+          <p:cNvPr id="3" name="TextBox 2">
+            <a:extLst>
+              <a:ext uri="{FF2B5EF4-FFF2-40B4-BE49-F238E27FC236}">
+                <a16:creationId xmlns:a16="http://schemas.microsoft.com/office/drawing/2014/main" id="{A3A45B66-239B-50DB-7C49-DEB3722347A9}"/>
+              </a:ext>
+            </a:extLst>
+          </p:cNvPr>
+          <p:cNvSpPr txBox="1"/>
+          <p:nvPr/>
+        </p:nvSpPr>
+        <p:spPr>
+          <a:xfrm>
+            <a:off x="3438105" y="4837502"/>
+            <a:ext cx="1136531" cy="261610"/>
+          </a:xfrm>
+          <a:prstGeom prst="rect">
+            <a:avLst/>
+          </a:prstGeom>
+          <a:noFill/>
+        </p:spPr>
+        <p:txBody>
+          <a:bodyPr rot="0" spcFirstLastPara="0" vertOverflow="overflow" horzOverflow="overflow" vert="horz" wrap="square" lIns="91440" tIns="45720" rIns="91440" bIns="45720" numCol="1" spcCol="0" rtlCol="0" fromWordArt="0" anchor="t" anchorCtr="0" forceAA="0" compatLnSpc="1">
+            <a:prstTxWarp prst="textNoShape">
+              <a:avLst/>
+            </a:prstTxWarp>
+            <a:spAutoFit/>
+          </a:bodyPr>
+          <a:lstStyle/>
+          <a:p>
+            <a:pPr algn="r"/>
+            <a:r>
+              <a:rPr lang="en-US" sz="1100" dirty="0">
+                <a:solidFill>
+                  <a:srgbClr val="7F7F7F"/>
+                </a:solidFill>
+              </a:rPr>
+              <a:t>[4]</a:t>
+            </a:r>
+          </a:p>
+        </p:txBody>
+      </p:sp>
+      <p:sp>
+        <p:nvSpPr>
+          <p:cNvPr id="5" name="TextBox 4">
+            <a:extLst>
+              <a:ext uri="{FF2B5EF4-FFF2-40B4-BE49-F238E27FC236}">
+                <a16:creationId xmlns:a16="http://schemas.microsoft.com/office/drawing/2014/main" id="{1E6A691E-98D3-D12F-976B-0EFC6BB6E345}"/>
+              </a:ext>
+            </a:extLst>
+          </p:cNvPr>
+          <p:cNvSpPr txBox="1"/>
+          <p:nvPr/>
+        </p:nvSpPr>
+        <p:spPr>
+          <a:xfrm>
+            <a:off x="7697397" y="4837502"/>
+            <a:ext cx="1136531" cy="261610"/>
+          </a:xfrm>
+          <a:prstGeom prst="rect">
+            <a:avLst/>
+          </a:prstGeom>
+          <a:noFill/>
+        </p:spPr>
+        <p:txBody>
+          <a:bodyPr rot="0" spcFirstLastPara="0" vertOverflow="overflow" horzOverflow="overflow" vert="horz" wrap="square" lIns="91440" tIns="45720" rIns="91440" bIns="45720" numCol="1" spcCol="0" rtlCol="0" fromWordArt="0" anchor="t" anchorCtr="0" forceAA="0" compatLnSpc="1">
+            <a:prstTxWarp prst="textNoShape">
+              <a:avLst/>
+            </a:prstTxWarp>
+            <a:spAutoFit/>
+          </a:bodyPr>
+          <a:lstStyle/>
+          <a:p>
+            <a:pPr algn="r"/>
+            <a:r>
+              <a:rPr lang="en-US" sz="1100" dirty="0">
+                <a:solidFill>
+                  <a:srgbClr val="7F7F7F"/>
+                </a:solidFill>
+              </a:rPr>
+              <a:t>[5]</a:t>
+            </a:r>
+          </a:p>
+        </p:txBody>
+      </p:sp>
     </p:spTree>
   </p:cSld>
   <p:clrMapOvr>
@@ -15083,7 +15298,7 @@
               </a:spcAft>
               <a:buNone/>
             </a:pPr>
-            <a:endParaRPr/>
+            <a:endParaRPr lang="hu-HU" dirty="0"/>
           </a:p>
           <a:p>
             <a:pPr marL="457200" lvl="0" indent="-342900" algn="l" rtl="0">
@@ -15097,10 +15312,10 @@
               <a:buChar char="-"/>
             </a:pPr>
             <a:r>
-              <a:rPr lang="en"/>
+              <a:rPr lang="hu-HU" b="1" err="1"/>
               <a:t>Handlebars</a:t>
             </a:r>
-            <a:endParaRPr/>
+            <a:endParaRPr lang="hu-HU" b="1"/>
           </a:p>
           <a:p>
             <a:pPr marL="457200" lvl="0" indent="-342900" algn="l" rtl="0">
@@ -15114,10 +15329,13 @@
               <a:buChar char="-"/>
             </a:pPr>
             <a:r>
-              <a:rPr lang="en"/>
-              <a:t>Gyorsabb és egyszerűbb könyvtár, mint társai</a:t>
-            </a:r>
-            <a:endParaRPr/>
+              <a:rPr lang="hu-HU" b="1" dirty="0"/>
+              <a:t>Gyors</a:t>
+            </a:r>
+            <a:r>
+              <a:rPr lang="hu-HU" dirty="0"/>
+              <a:t>abb és egyszerűbb könyvtár, mint társai</a:t>
+            </a:r>
           </a:p>
           <a:p>
             <a:pPr marL="457200" lvl="0" indent="-342900" algn="l" rtl="0">
@@ -15131,10 +15349,9 @@
               <a:buChar char="-"/>
             </a:pPr>
             <a:r>
-              <a:rPr lang="en"/>
+              <a:rPr lang="hu-HU" dirty="0"/>
               <a:t>Egyszerű CSS &amp; JavaScript</a:t>
             </a:r>
-            <a:endParaRPr/>
           </a:p>
           <a:p>
             <a:pPr marL="457200" lvl="0" indent="-342900" algn="l" rtl="0">
@@ -15148,10 +15365,13 @@
               <a:buChar char="-"/>
             </a:pPr>
             <a:r>
-              <a:rPr lang="en"/>
-              <a:t>Automatikusan tömörített</a:t>
-            </a:r>
-            <a:endParaRPr/>
+              <a:rPr lang="hu-HU" dirty="0"/>
+              <a:t>Automatikusan </a:t>
+            </a:r>
+            <a:r>
+              <a:rPr lang="hu-HU" b="1" dirty="0"/>
+              <a:t>tömörített</a:t>
+            </a:r>
           </a:p>
         </p:txBody>
       </p:sp>
@@ -15183,6 +15403,49 @@
           </a:ln>
         </p:spPr>
       </p:pic>
+      <p:sp>
+        <p:nvSpPr>
+          <p:cNvPr id="3" name="TextBox 2">
+            <a:extLst>
+              <a:ext uri="{FF2B5EF4-FFF2-40B4-BE49-F238E27FC236}">
+                <a16:creationId xmlns:a16="http://schemas.microsoft.com/office/drawing/2014/main" id="{0CC2F364-7349-6ADE-19B7-3717286C138A}"/>
+              </a:ext>
+            </a:extLst>
+          </p:cNvPr>
+          <p:cNvSpPr txBox="1"/>
+          <p:nvPr/>
+        </p:nvSpPr>
+        <p:spPr>
+          <a:xfrm>
+            <a:off x="7621916" y="3942511"/>
+            <a:ext cx="1136531" cy="261610"/>
+          </a:xfrm>
+          <a:prstGeom prst="rect">
+            <a:avLst/>
+          </a:prstGeom>
+          <a:noFill/>
+        </p:spPr>
+        <p:txBody>
+          <a:bodyPr rot="0" spcFirstLastPara="0" vertOverflow="overflow" horzOverflow="overflow" vert="horz" wrap="square" lIns="91440" tIns="45720" rIns="91440" bIns="45720" numCol="1" spcCol="0" rtlCol="0" fromWordArt="0" anchor="t" anchorCtr="0" forceAA="0" compatLnSpc="1">
+            <a:prstTxWarp prst="textNoShape">
+              <a:avLst/>
+            </a:prstTxWarp>
+            <a:spAutoFit/>
+          </a:bodyPr>
+          <a:lstStyle/>
+          <a:p>
+            <a:pPr algn="r"/>
+            <a:r>
+              <a:rPr lang="en-US" sz="1100" dirty="0">
+                <a:solidFill>
+                  <a:srgbClr val="7F7F7F"/>
+                </a:solidFill>
+              </a:rPr>
+              <a:t>[6]</a:t>
+            </a:r>
+          </a:p>
+        </p:txBody>
+      </p:sp>
     </p:spTree>
   </p:cSld>
   <p:clrMapOvr>
@@ -15243,10 +15506,9 @@
               <a:buNone/>
             </a:pPr>
             <a:r>
-              <a:rPr lang="en"/>
+              <a:rPr lang="hu-HU" dirty="0"/>
               <a:t>Valós idejű kommunikáció</a:t>
             </a:r>
-            <a:endParaRPr/>
           </a:p>
         </p:txBody>
       </p:sp>
@@ -15284,7 +15546,7 @@
               </a:spcAft>
               <a:buNone/>
             </a:pPr>
-            <a:endParaRPr/>
+            <a:endParaRPr lang="hu-HU" dirty="0"/>
           </a:p>
           <a:p>
             <a:pPr marL="457200" lvl="0" indent="-342900" algn="l" rtl="0">
@@ -15298,27 +15560,42 @@
               <a:buChar char="-"/>
             </a:pPr>
             <a:r>
-              <a:rPr lang="en"/>
-              <a:t>WebSocket - Valós idejű frissítés</a:t>
-            </a:r>
-            <a:endParaRPr/>
+              <a:rPr lang="hu-HU" b="1" dirty="0" err="1"/>
+              <a:t>WebSocket</a:t>
+            </a:r>
+            <a:r>
+              <a:rPr lang="hu-HU" b="1" dirty="0"/>
+              <a:t> </a:t>
+            </a:r>
+            <a:r>
+              <a:rPr lang="hu-HU" dirty="0"/>
+              <a:t>- Valós idejű frissítés</a:t>
+            </a:r>
           </a:p>
           <a:p>
-            <a:pPr marL="457200" lvl="0" indent="-342900" algn="l" rtl="0">
-              <a:spcBef>
-                <a:spcPts val="0"/>
-              </a:spcBef>
-              <a:spcAft>
-                <a:spcPts val="0"/>
-              </a:spcAft>
-              <a:buSzPts val="1800"/>
+            <a:pPr>
               <a:buChar char="-"/>
             </a:pPr>
             <a:r>
-              <a:rPr lang="en"/>
-              <a:t>WebRTC - Point-to-Point hanghívás</a:t>
-            </a:r>
-            <a:endParaRPr/>
+              <a:rPr lang="hu-HU" b="1" dirty="0" err="1"/>
+              <a:t>WebRTC</a:t>
+            </a:r>
+            <a:r>
+              <a:rPr lang="hu-HU" b="1" dirty="0"/>
+              <a:t> </a:t>
+            </a:r>
+            <a:r>
+              <a:rPr lang="hu-HU" dirty="0"/>
+              <a:t>- </a:t>
+            </a:r>
+            <a:r>
+              <a:rPr lang="hu-HU" dirty="0" err="1"/>
+              <a:t>Point-to-Point</a:t>
+            </a:r>
+            <a:r>
+              <a:rPr lang="hu-HU" dirty="0"/>
+              <a:t> videó- és hanghívás</a:t>
+            </a:r>
           </a:p>
         </p:txBody>
       </p:sp>
@@ -15350,6 +15627,49 @@
           </a:ln>
         </p:spPr>
       </p:pic>
+      <p:sp>
+        <p:nvSpPr>
+          <p:cNvPr id="3" name="TextBox 2">
+            <a:extLst>
+              <a:ext uri="{FF2B5EF4-FFF2-40B4-BE49-F238E27FC236}">
+                <a16:creationId xmlns:a16="http://schemas.microsoft.com/office/drawing/2014/main" id="{07967CFC-C8E8-4184-E80E-4951844D2096}"/>
+              </a:ext>
+            </a:extLst>
+          </p:cNvPr>
+          <p:cNvSpPr txBox="1"/>
+          <p:nvPr/>
+        </p:nvSpPr>
+        <p:spPr>
+          <a:xfrm>
+            <a:off x="7007284" y="4438530"/>
+            <a:ext cx="1136531" cy="261610"/>
+          </a:xfrm>
+          <a:prstGeom prst="rect">
+            <a:avLst/>
+          </a:prstGeom>
+          <a:noFill/>
+        </p:spPr>
+        <p:txBody>
+          <a:bodyPr rot="0" spcFirstLastPara="0" vertOverflow="overflow" horzOverflow="overflow" vert="horz" wrap="square" lIns="91440" tIns="45720" rIns="91440" bIns="45720" numCol="1" spcCol="0" rtlCol="0" fromWordArt="0" anchor="t" anchorCtr="0" forceAA="0" compatLnSpc="1">
+            <a:prstTxWarp prst="textNoShape">
+              <a:avLst/>
+            </a:prstTxWarp>
+            <a:spAutoFit/>
+          </a:bodyPr>
+          <a:lstStyle/>
+          <a:p>
+            <a:pPr algn="r"/>
+            <a:r>
+              <a:rPr lang="en-US" sz="1100" dirty="0">
+                <a:solidFill>
+                  <a:srgbClr val="7F7F7F"/>
+                </a:solidFill>
+              </a:rPr>
+              <a:t>[7]</a:t>
+            </a:r>
+          </a:p>
+        </p:txBody>
+      </p:sp>
     </p:spTree>
   </p:cSld>
   <p:clrMapOvr>
